--- a/cs564_fall17/slides/lecture20-rel-ops.pptx
+++ b/cs564_fall17/slides/lecture20-rel-ops.pptx
@@ -14285,8 +14285,8 @@
           <a:p>
             <a:pPr lvl="2"/>
             <a:r>
-              <a:rPr lang="en-US" sz="2800" dirty="0" smtClean="0"/>
-              <a:t>Scan, use either index, or </a:t>
+              <a:rPr lang="en-US" sz="2800" smtClean="0"/>
+              <a:t>Scan or </a:t>
             </a:r>
             <a:r>
               <a:rPr lang="en-US" sz="2800" dirty="0"/>
